--- a/Folien - Trainerleitfaden/Einheit 15 JS Trainerfolien.pptx
+++ b/Folien - Trainerleitfaden/Einheit 15 JS Trainerfolien.pptx
@@ -270,7 +270,7 @@
               <a:rPr lang="de-AT" smtClean="0">
                 <a:latin typeface="Arial" panose="020B0604020202020204" pitchFamily="34" charset="0"/>
               </a:rPr>
-              <a:t>12.01.2021</a:t>
+              <a:t>18.05.2021</a:t>
             </a:fld>
             <a:endParaRPr lang="de-AT" dirty="0">
               <a:latin typeface="Arial" panose="020B0604020202020204" pitchFamily="34" charset="0"/>
@@ -4095,6 +4095,10 @@
           <a:bodyPr/>
           <a:lstStyle/>
           <a:p>
+            <a:pPr>
+              <a:buFont typeface="Arial" panose="020B0604020202020204" pitchFamily="34" charset="0"/>
+              <a:buChar char="•"/>
+            </a:pPr>
             <a:r>
               <a:rPr lang="de-AT" dirty="0"/>
               <a:t>Mit </a:t>
@@ -4170,6 +4174,10 @@
             </a:r>
           </a:p>
           <a:p>
+            <a:pPr>
+              <a:buFont typeface="Arial" panose="020B0604020202020204" pitchFamily="34" charset="0"/>
+              <a:buChar char="•"/>
+            </a:pPr>
             <a:r>
               <a:rPr lang="de-AT" dirty="0"/>
               <a:t>Ist ein Objekt, deshalb kann für Ausgabe von allen Elementen eine </a:t>
@@ -12495,6 +12503,10 @@
             </a:lvl9pPr>
           </a:lstStyle>
           <a:p>
+            <a:pPr>
+              <a:buFont typeface="Arial" panose="020B0604020202020204" pitchFamily="34" charset="0"/>
+              <a:buChar char="•"/>
+            </a:pPr>
             <a:r>
               <a:rPr lang="de-AT" dirty="0"/>
               <a:t>Cookie in einer Funktion erstellen mit Ablaufdatum</a:t>
